--- a/img/pendulum_sketch2.pptx
+++ b/img/pendulum_sketch2.pptx
@@ -289,7 +289,7 @@
             <a:fld id="{89698DC9-2BF5-4A92-B821-61A5A6C56B51}" type="datetimeFigureOut">
               <a:rPr lang="fr-FR" smtClean="0"/>
               <a:pPr/>
-              <a:t>24/03/2019</a:t>
+              <a:t>25/03/2019</a:t>
             </a:fld>
             <a:endParaRPr lang="fr-FR"/>
           </a:p>
@@ -456,7 +456,7 @@
             <a:fld id="{89698DC9-2BF5-4A92-B821-61A5A6C56B51}" type="datetimeFigureOut">
               <a:rPr lang="fr-FR" smtClean="0"/>
               <a:pPr/>
-              <a:t>24/03/2019</a:t>
+              <a:t>25/03/2019</a:t>
             </a:fld>
             <a:endParaRPr lang="fr-FR"/>
           </a:p>
@@ -633,7 +633,7 @@
             <a:fld id="{89698DC9-2BF5-4A92-B821-61A5A6C56B51}" type="datetimeFigureOut">
               <a:rPr lang="fr-FR" smtClean="0"/>
               <a:pPr/>
-              <a:t>24/03/2019</a:t>
+              <a:t>25/03/2019</a:t>
             </a:fld>
             <a:endParaRPr lang="fr-FR"/>
           </a:p>
@@ -800,7 +800,7 @@
             <a:fld id="{89698DC9-2BF5-4A92-B821-61A5A6C56B51}" type="datetimeFigureOut">
               <a:rPr lang="fr-FR" smtClean="0"/>
               <a:pPr/>
-              <a:t>24/03/2019</a:t>
+              <a:t>25/03/2019</a:t>
             </a:fld>
             <a:endParaRPr lang="fr-FR"/>
           </a:p>
@@ -1043,7 +1043,7 @@
             <a:fld id="{89698DC9-2BF5-4A92-B821-61A5A6C56B51}" type="datetimeFigureOut">
               <a:rPr lang="fr-FR" smtClean="0"/>
               <a:pPr/>
-              <a:t>24/03/2019</a:t>
+              <a:t>25/03/2019</a:t>
             </a:fld>
             <a:endParaRPr lang="fr-FR"/>
           </a:p>
@@ -1328,7 +1328,7 @@
             <a:fld id="{89698DC9-2BF5-4A92-B821-61A5A6C56B51}" type="datetimeFigureOut">
               <a:rPr lang="fr-FR" smtClean="0"/>
               <a:pPr/>
-              <a:t>24/03/2019</a:t>
+              <a:t>25/03/2019</a:t>
             </a:fld>
             <a:endParaRPr lang="fr-FR"/>
           </a:p>
@@ -1747,7 +1747,7 @@
             <a:fld id="{89698DC9-2BF5-4A92-B821-61A5A6C56B51}" type="datetimeFigureOut">
               <a:rPr lang="fr-FR" smtClean="0"/>
               <a:pPr/>
-              <a:t>24/03/2019</a:t>
+              <a:t>25/03/2019</a:t>
             </a:fld>
             <a:endParaRPr lang="fr-FR"/>
           </a:p>
@@ -1862,7 +1862,7 @@
             <a:fld id="{89698DC9-2BF5-4A92-B821-61A5A6C56B51}" type="datetimeFigureOut">
               <a:rPr lang="fr-FR" smtClean="0"/>
               <a:pPr/>
-              <a:t>24/03/2019</a:t>
+              <a:t>25/03/2019</a:t>
             </a:fld>
             <a:endParaRPr lang="fr-FR"/>
           </a:p>
@@ -1954,7 +1954,7 @@
             <a:fld id="{89698DC9-2BF5-4A92-B821-61A5A6C56B51}" type="datetimeFigureOut">
               <a:rPr lang="fr-FR" smtClean="0"/>
               <a:pPr/>
-              <a:t>24/03/2019</a:t>
+              <a:t>25/03/2019</a:t>
             </a:fld>
             <a:endParaRPr lang="fr-FR"/>
           </a:p>
@@ -2228,7 +2228,7 @@
             <a:fld id="{89698DC9-2BF5-4A92-B821-61A5A6C56B51}" type="datetimeFigureOut">
               <a:rPr lang="fr-FR" smtClean="0"/>
               <a:pPr/>
-              <a:t>24/03/2019</a:t>
+              <a:t>25/03/2019</a:t>
             </a:fld>
             <a:endParaRPr lang="fr-FR"/>
           </a:p>
@@ -2478,7 +2478,7 @@
             <a:fld id="{89698DC9-2BF5-4A92-B821-61A5A6C56B51}" type="datetimeFigureOut">
               <a:rPr lang="fr-FR" smtClean="0"/>
               <a:pPr/>
-              <a:t>24/03/2019</a:t>
+              <a:t>25/03/2019</a:t>
             </a:fld>
             <a:endParaRPr lang="fr-FR"/>
           </a:p>
@@ -2688,7 +2688,7 @@
             <a:fld id="{89698DC9-2BF5-4A92-B821-61A5A6C56B51}" type="datetimeFigureOut">
               <a:rPr lang="fr-FR" smtClean="0"/>
               <a:pPr/>
-              <a:t>24/03/2019</a:t>
+              <a:t>25/03/2019</a:t>
             </a:fld>
             <a:endParaRPr lang="fr-FR"/>
           </a:p>
@@ -3522,7 +3522,7 @@
               <a:t>m</a:t>
             </a:r>
             <a:r>
-              <a:rPr lang="en-US" b="1" dirty="0" smtClean="0">
+              <a:rPr lang="en-US" dirty="0" smtClean="0">
                 <a:solidFill>
                   <a:srgbClr val="FF0000"/>
                 </a:solidFill>
@@ -3531,7 +3531,7 @@
               </a:rPr>
               <a:t>g</a:t>
             </a:r>
-            <a:endParaRPr lang="fr-FR" b="1" dirty="0">
+            <a:endParaRPr lang="fr-FR" dirty="0">
               <a:solidFill>
                 <a:srgbClr val="FF0000"/>
               </a:solidFill>
@@ -3667,8 +3667,8 @@
         </p:nvCxnSpPr>
         <p:spPr>
           <a:xfrm rot="16200000" flipH="1">
-            <a:off x="5288616" y="4288492"/>
-            <a:ext cx="748244" cy="533168"/>
+            <a:off x="5273461" y="4315752"/>
+            <a:ext cx="792000" cy="533168"/>
           </a:xfrm>
           <a:prstGeom prst="line">
             <a:avLst/>
@@ -3677,6 +3677,8 @@
             <a:solidFill>
               <a:srgbClr val="7030A0"/>
             </a:solidFill>
+            <a:headEnd type="none"/>
+            <a:tailEnd type="triangle"/>
           </a:ln>
         </p:spPr>
         <p:style>
@@ -3702,7 +3704,7 @@
         </p:nvCxnSpPr>
         <p:spPr>
           <a:xfrm rot="10800000" flipV="1">
-            <a:off x="4857752" y="4181476"/>
+            <a:off x="5407645" y="4961439"/>
             <a:ext cx="533930" cy="390531"/>
           </a:xfrm>
           <a:prstGeom prst="line">
@@ -3714,6 +3716,8 @@
                 <a:lumMod val="75000"/>
               </a:schemeClr>
             </a:solidFill>
+            <a:headEnd type="triangle"/>
+            <a:tailEnd type="none"/>
           </a:ln>
         </p:spPr>
         <p:style>
@@ -3775,17 +3779,18 @@
         </p:nvCxnSpPr>
         <p:spPr>
           <a:xfrm rot="10800000" flipV="1">
-            <a:off x="5403858" y="4946130"/>
+            <a:off x="4860683" y="4191370"/>
             <a:ext cx="533930" cy="390531"/>
           </a:xfrm>
           <a:prstGeom prst="line">
             <a:avLst/>
           </a:prstGeom>
-          <a:ln>
+          <a:ln w="25400">
             <a:solidFill>
               <a:schemeClr val="accent6"/>
             </a:solidFill>
-            <a:prstDash val="dash"/>
+            <a:prstDash val="sysDash"/>
+            <a:tailEnd type="triangle"/>
           </a:ln>
         </p:spPr>
         <p:style>
@@ -3811,7 +3816,7 @@
         </p:nvSpPr>
         <p:spPr>
           <a:xfrm>
-            <a:off x="5693843" y="4400058"/>
+            <a:off x="5696774" y="4400058"/>
             <a:ext cx="1143008" cy="369332"/>
           </a:xfrm>
           <a:prstGeom prst="rect">
@@ -3833,7 +3838,7 @@
                 <a:latin typeface="Times New Roman" pitchFamily="18" charset="0"/>
                 <a:cs typeface="Times New Roman" pitchFamily="18" charset="0"/>
               </a:rPr>
-              <a:t>mg</a:t>
+              <a:t>m</a:t>
             </a:r>
             <a:r>
               <a:rPr lang="en-US" dirty="0" err="1" smtClean="0">
@@ -3843,7 +3848,7 @@
                 <a:latin typeface="Times New Roman" pitchFamily="18" charset="0"/>
                 <a:cs typeface="Times New Roman" pitchFamily="18" charset="0"/>
               </a:rPr>
-              <a:t>cos</a:t>
+              <a:t>gcos</a:t>
             </a:r>
             <a:r>
               <a:rPr lang="en-US" i="1" dirty="0" err="1" smtClean="0">
@@ -3873,7 +3878,7 @@
         </p:nvSpPr>
         <p:spPr>
           <a:xfrm>
-            <a:off x="4306563" y="4119187"/>
+            <a:off x="5643570" y="5000636"/>
             <a:ext cx="1143008" cy="369332"/>
           </a:xfrm>
           <a:prstGeom prst="rect">
@@ -3895,7 +3900,7 @@
                 <a:latin typeface="Times New Roman" pitchFamily="18" charset="0"/>
                 <a:cs typeface="Times New Roman" pitchFamily="18" charset="0"/>
               </a:rPr>
-              <a:t>mg</a:t>
+              <a:t>m</a:t>
             </a:r>
             <a:r>
               <a:rPr lang="en-US" dirty="0" err="1" smtClean="0">
@@ -3905,7 +3910,7 @@
                 <a:latin typeface="Times New Roman" pitchFamily="18" charset="0"/>
                 <a:cs typeface="Times New Roman" pitchFamily="18" charset="0"/>
               </a:rPr>
-              <a:t>sin</a:t>
+              <a:t>gsin</a:t>
             </a:r>
             <a:r>
               <a:rPr lang="en-US" i="1" dirty="0" err="1" smtClean="0">
@@ -4267,6 +4272,168 @@
             <a:endParaRPr lang="fr-FR" dirty="0">
               <a:solidFill>
                 <a:srgbClr val="00B050"/>
+              </a:solidFill>
+              <a:latin typeface="Times New Roman" pitchFamily="18" charset="0"/>
+              <a:cs typeface="Times New Roman" pitchFamily="18" charset="0"/>
+            </a:endParaRPr>
+          </a:p>
+        </p:txBody>
+      </p:sp>
+      <p:sp>
+        <p:nvSpPr>
+          <p:cNvPr id="46" name="Arc 45"/>
+          <p:cNvSpPr/>
+          <p:nvPr/>
+        </p:nvSpPr>
+        <p:spPr>
+          <a:xfrm rot="6945861">
+            <a:off x="5260903" y="4242109"/>
+            <a:ext cx="408141" cy="516922"/>
+          </a:xfrm>
+          <a:prstGeom prst="arc">
+            <a:avLst>
+              <a:gd name="adj1" fmla="val 16200000"/>
+              <a:gd name="adj2" fmla="val 21193939"/>
+            </a:avLst>
+          </a:prstGeom>
+          <a:ln w="25400">
+            <a:solidFill>
+              <a:srgbClr val="00B050"/>
+            </a:solidFill>
+          </a:ln>
+        </p:spPr>
+        <p:style>
+          <a:lnRef idx="1">
+            <a:schemeClr val="accent1"/>
+          </a:lnRef>
+          <a:fillRef idx="0">
+            <a:schemeClr val="accent1"/>
+          </a:fillRef>
+          <a:effectRef idx="0">
+            <a:schemeClr val="accent1"/>
+          </a:effectRef>
+          <a:fontRef idx="minor">
+            <a:schemeClr val="tx1"/>
+          </a:fontRef>
+        </p:style>
+        <p:txBody>
+          <a:bodyPr rtlCol="0" anchor="ctr"/>
+          <a:lstStyle/>
+          <a:p>
+            <a:pPr algn="ctr"/>
+            <a:endParaRPr lang="fr-FR" dirty="0">
+              <a:solidFill>
+                <a:srgbClr val="00B050"/>
+              </a:solidFill>
+            </a:endParaRPr>
+          </a:p>
+        </p:txBody>
+      </p:sp>
+      <p:sp>
+        <p:nvSpPr>
+          <p:cNvPr id="48" name="ZoneTexte 47"/>
+          <p:cNvSpPr txBox="1"/>
+          <p:nvPr/>
+        </p:nvSpPr>
+        <p:spPr>
+          <a:xfrm>
+            <a:off x="5430482" y="4631304"/>
+            <a:ext cx="357190" cy="369332"/>
+          </a:xfrm>
+          <a:prstGeom prst="rect">
+            <a:avLst/>
+          </a:prstGeom>
+          <a:noFill/>
+        </p:spPr>
+        <p:txBody>
+          <a:bodyPr wrap="square" rtlCol="0">
+            <a:spAutoFit/>
+          </a:bodyPr>
+          <a:lstStyle/>
+          <a:p>
+            <a:r>
+              <a:rPr lang="en-US" i="1" dirty="0" smtClean="0">
+                <a:solidFill>
+                  <a:srgbClr val="00B050"/>
+                </a:solidFill>
+                <a:latin typeface="Symbol" pitchFamily="18" charset="2"/>
+              </a:rPr>
+              <a:t>q</a:t>
+            </a:r>
+            <a:endParaRPr lang="fr-FR" i="1" dirty="0">
+              <a:solidFill>
+                <a:srgbClr val="00B050"/>
+              </a:solidFill>
+              <a:latin typeface="Symbol" pitchFamily="18" charset="2"/>
+            </a:endParaRPr>
+          </a:p>
+        </p:txBody>
+      </p:sp>
+      <p:sp>
+        <p:nvSpPr>
+          <p:cNvPr id="32" name="ZoneTexte 31"/>
+          <p:cNvSpPr txBox="1"/>
+          <p:nvPr/>
+        </p:nvSpPr>
+        <p:spPr>
+          <a:xfrm>
+            <a:off x="4254007" y="4071942"/>
+            <a:ext cx="1143008" cy="369332"/>
+          </a:xfrm>
+          <a:prstGeom prst="rect">
+            <a:avLst/>
+          </a:prstGeom>
+          <a:noFill/>
+        </p:spPr>
+        <p:txBody>
+          <a:bodyPr wrap="square" rtlCol="0">
+            <a:spAutoFit/>
+          </a:bodyPr>
+          <a:lstStyle/>
+          <a:p>
+            <a:r>
+              <a:rPr lang="en-US" i="1" dirty="0" smtClean="0">
+                <a:solidFill>
+                  <a:schemeClr val="accent6"/>
+                </a:solidFill>
+                <a:latin typeface="Times New Roman" pitchFamily="18" charset="0"/>
+                <a:cs typeface="Times New Roman" pitchFamily="18" charset="0"/>
+              </a:rPr>
+              <a:t>-</a:t>
+            </a:r>
+            <a:r>
+              <a:rPr lang="en-US" i="1" dirty="0" err="1" smtClean="0">
+                <a:solidFill>
+                  <a:schemeClr val="accent6"/>
+                </a:solidFill>
+                <a:latin typeface="Times New Roman" pitchFamily="18" charset="0"/>
+                <a:cs typeface="Times New Roman" pitchFamily="18" charset="0"/>
+              </a:rPr>
+              <a:t>m</a:t>
+            </a:r>
+            <a:r>
+              <a:rPr lang="en-US" dirty="0" err="1" smtClean="0">
+                <a:solidFill>
+                  <a:schemeClr val="accent6"/>
+                </a:solidFill>
+                <a:latin typeface="Times New Roman" pitchFamily="18" charset="0"/>
+                <a:cs typeface="Times New Roman" pitchFamily="18" charset="0"/>
+              </a:rPr>
+              <a:t>gsin</a:t>
+            </a:r>
+            <a:r>
+              <a:rPr lang="en-US" i="1" dirty="0" err="1" smtClean="0">
+                <a:solidFill>
+                  <a:schemeClr val="accent6"/>
+                </a:solidFill>
+                <a:latin typeface="Symbol" pitchFamily="18" charset="2"/>
+                <a:cs typeface="Times New Roman" pitchFamily="18" charset="0"/>
+              </a:rPr>
+              <a:t>q</a:t>
+            </a:r>
+            <a:endParaRPr lang="fr-FR" i="1" dirty="0">
+              <a:solidFill>
+                <a:schemeClr val="accent6"/>
               </a:solidFill>
               <a:latin typeface="Times New Roman" pitchFamily="18" charset="0"/>
               <a:cs typeface="Times New Roman" pitchFamily="18" charset="0"/>

--- a/img/pendulum_sketch2.pptx
+++ b/img/pendulum_sketch2.pptx
@@ -289,7 +289,7 @@
             <a:fld id="{89698DC9-2BF5-4A92-B821-61A5A6C56B51}" type="datetimeFigureOut">
               <a:rPr lang="fr-FR" smtClean="0"/>
               <a:pPr/>
-              <a:t>25/03/2019</a:t>
+              <a:t>26/03/2019</a:t>
             </a:fld>
             <a:endParaRPr lang="fr-FR"/>
           </a:p>
@@ -456,7 +456,7 @@
             <a:fld id="{89698DC9-2BF5-4A92-B821-61A5A6C56B51}" type="datetimeFigureOut">
               <a:rPr lang="fr-FR" smtClean="0"/>
               <a:pPr/>
-              <a:t>25/03/2019</a:t>
+              <a:t>26/03/2019</a:t>
             </a:fld>
             <a:endParaRPr lang="fr-FR"/>
           </a:p>
@@ -633,7 +633,7 @@
             <a:fld id="{89698DC9-2BF5-4A92-B821-61A5A6C56B51}" type="datetimeFigureOut">
               <a:rPr lang="fr-FR" smtClean="0"/>
               <a:pPr/>
-              <a:t>25/03/2019</a:t>
+              <a:t>26/03/2019</a:t>
             </a:fld>
             <a:endParaRPr lang="fr-FR"/>
           </a:p>
@@ -800,7 +800,7 @@
             <a:fld id="{89698DC9-2BF5-4A92-B821-61A5A6C56B51}" type="datetimeFigureOut">
               <a:rPr lang="fr-FR" smtClean="0"/>
               <a:pPr/>
-              <a:t>25/03/2019</a:t>
+              <a:t>26/03/2019</a:t>
             </a:fld>
             <a:endParaRPr lang="fr-FR"/>
           </a:p>
@@ -1043,7 +1043,7 @@
             <a:fld id="{89698DC9-2BF5-4A92-B821-61A5A6C56B51}" type="datetimeFigureOut">
               <a:rPr lang="fr-FR" smtClean="0"/>
               <a:pPr/>
-              <a:t>25/03/2019</a:t>
+              <a:t>26/03/2019</a:t>
             </a:fld>
             <a:endParaRPr lang="fr-FR"/>
           </a:p>
@@ -1328,7 +1328,7 @@
             <a:fld id="{89698DC9-2BF5-4A92-B821-61A5A6C56B51}" type="datetimeFigureOut">
               <a:rPr lang="fr-FR" smtClean="0"/>
               <a:pPr/>
-              <a:t>25/03/2019</a:t>
+              <a:t>26/03/2019</a:t>
             </a:fld>
             <a:endParaRPr lang="fr-FR"/>
           </a:p>
@@ -1747,7 +1747,7 @@
             <a:fld id="{89698DC9-2BF5-4A92-B821-61A5A6C56B51}" type="datetimeFigureOut">
               <a:rPr lang="fr-FR" smtClean="0"/>
               <a:pPr/>
-              <a:t>25/03/2019</a:t>
+              <a:t>26/03/2019</a:t>
             </a:fld>
             <a:endParaRPr lang="fr-FR"/>
           </a:p>
@@ -1862,7 +1862,7 @@
             <a:fld id="{89698DC9-2BF5-4A92-B821-61A5A6C56B51}" type="datetimeFigureOut">
               <a:rPr lang="fr-FR" smtClean="0"/>
               <a:pPr/>
-              <a:t>25/03/2019</a:t>
+              <a:t>26/03/2019</a:t>
             </a:fld>
             <a:endParaRPr lang="fr-FR"/>
           </a:p>
@@ -1954,7 +1954,7 @@
             <a:fld id="{89698DC9-2BF5-4A92-B821-61A5A6C56B51}" type="datetimeFigureOut">
               <a:rPr lang="fr-FR" smtClean="0"/>
               <a:pPr/>
-              <a:t>25/03/2019</a:t>
+              <a:t>26/03/2019</a:t>
             </a:fld>
             <a:endParaRPr lang="fr-FR"/>
           </a:p>
@@ -2228,7 +2228,7 @@
             <a:fld id="{89698DC9-2BF5-4A92-B821-61A5A6C56B51}" type="datetimeFigureOut">
               <a:rPr lang="fr-FR" smtClean="0"/>
               <a:pPr/>
-              <a:t>25/03/2019</a:t>
+              <a:t>26/03/2019</a:t>
             </a:fld>
             <a:endParaRPr lang="fr-FR"/>
           </a:p>
@@ -2478,7 +2478,7 @@
             <a:fld id="{89698DC9-2BF5-4A92-B821-61A5A6C56B51}" type="datetimeFigureOut">
               <a:rPr lang="fr-FR" smtClean="0"/>
               <a:pPr/>
-              <a:t>25/03/2019</a:t>
+              <a:t>26/03/2019</a:t>
             </a:fld>
             <a:endParaRPr lang="fr-FR"/>
           </a:p>
@@ -2688,7 +2688,7 @@
             <a:fld id="{89698DC9-2BF5-4A92-B821-61A5A6C56B51}" type="datetimeFigureOut">
               <a:rPr lang="fr-FR" smtClean="0"/>
               <a:pPr/>
-              <a:t>25/03/2019</a:t>
+              <a:t>26/03/2019</a:t>
             </a:fld>
             <a:endParaRPr lang="fr-FR"/>
           </a:p>
@@ -3497,7 +3497,7 @@
         </p:nvSpPr>
         <p:spPr>
           <a:xfrm>
-            <a:off x="5000628" y="4559866"/>
+            <a:off x="4983042" y="4559866"/>
             <a:ext cx="571504" cy="369332"/>
           </a:xfrm>
           <a:prstGeom prst="rect">
@@ -3519,19 +3519,9 @@
                 <a:latin typeface="Times New Roman" pitchFamily="18" charset="0"/>
                 <a:cs typeface="Times New Roman" pitchFamily="18" charset="0"/>
               </a:rPr>
-              <a:t>m</a:t>
-            </a:r>
-            <a:r>
-              <a:rPr lang="en-US" dirty="0" smtClean="0">
-                <a:solidFill>
-                  <a:srgbClr val="FF0000"/>
-                </a:solidFill>
-                <a:latin typeface="Times New Roman" pitchFamily="18" charset="0"/>
-                <a:cs typeface="Times New Roman" pitchFamily="18" charset="0"/>
-              </a:rPr>
-              <a:t>g</a:t>
-            </a:r>
-            <a:endParaRPr lang="fr-FR" dirty="0">
+              <a:t>mg</a:t>
+            </a:r>
+            <a:endParaRPr lang="fr-FR" i="1" dirty="0">
               <a:solidFill>
                 <a:srgbClr val="FF0000"/>
               </a:solidFill>
@@ -3710,13 +3700,14 @@
           <a:prstGeom prst="line">
             <a:avLst/>
           </a:prstGeom>
-          <a:ln w="19050">
+          <a:ln w="12700">
             <a:solidFill>
               <a:schemeClr val="accent6">
                 <a:lumMod val="75000"/>
               </a:schemeClr>
             </a:solidFill>
-            <a:headEnd type="triangle"/>
+            <a:prstDash val="dash"/>
+            <a:headEnd type="none"/>
             <a:tailEnd type="none"/>
           </a:ln>
         </p:spPr>
@@ -3789,7 +3780,7 @@
             <a:solidFill>
               <a:schemeClr val="accent6"/>
             </a:solidFill>
-            <a:prstDash val="sysDash"/>
+            <a:prstDash val="solid"/>
             <a:tailEnd type="triangle"/>
           </a:ln>
         </p:spPr>
@@ -3838,7 +3829,7 @@
                 <a:latin typeface="Times New Roman" pitchFamily="18" charset="0"/>
                 <a:cs typeface="Times New Roman" pitchFamily="18" charset="0"/>
               </a:rPr>
-              <a:t>m</a:t>
+              <a:t>mg</a:t>
             </a:r>
             <a:r>
               <a:rPr lang="en-US" dirty="0" err="1" smtClean="0">
@@ -3848,7 +3839,7 @@
                 <a:latin typeface="Times New Roman" pitchFamily="18" charset="0"/>
                 <a:cs typeface="Times New Roman" pitchFamily="18" charset="0"/>
               </a:rPr>
-              <a:t>gcos</a:t>
+              <a:t>cos</a:t>
             </a:r>
             <a:r>
               <a:rPr lang="en-US" i="1" dirty="0" err="1" smtClean="0">
@@ -3863,68 +3854,6 @@
             <a:endParaRPr lang="fr-FR" i="1" dirty="0">
               <a:solidFill>
                 <a:srgbClr val="7030A0"/>
-              </a:solidFill>
-              <a:latin typeface="Times New Roman" pitchFamily="18" charset="0"/>
-              <a:cs typeface="Times New Roman" pitchFamily="18" charset="0"/>
-            </a:endParaRPr>
-          </a:p>
-        </p:txBody>
-      </p:sp>
-      <p:sp>
-        <p:nvSpPr>
-          <p:cNvPr id="50" name="ZoneTexte 49"/>
-          <p:cNvSpPr txBox="1"/>
-          <p:nvPr/>
-        </p:nvSpPr>
-        <p:spPr>
-          <a:xfrm>
-            <a:off x="5643570" y="5000636"/>
-            <a:ext cx="1143008" cy="369332"/>
-          </a:xfrm>
-          <a:prstGeom prst="rect">
-            <a:avLst/>
-          </a:prstGeom>
-          <a:noFill/>
-        </p:spPr>
-        <p:txBody>
-          <a:bodyPr wrap="square" rtlCol="0">
-            <a:spAutoFit/>
-          </a:bodyPr>
-          <a:lstStyle/>
-          <a:p>
-            <a:r>
-              <a:rPr lang="en-US" i="1" dirty="0" err="1" smtClean="0">
-                <a:solidFill>
-                  <a:schemeClr val="accent6"/>
-                </a:solidFill>
-                <a:latin typeface="Times New Roman" pitchFamily="18" charset="0"/>
-                <a:cs typeface="Times New Roman" pitchFamily="18" charset="0"/>
-              </a:rPr>
-              <a:t>m</a:t>
-            </a:r>
-            <a:r>
-              <a:rPr lang="en-US" dirty="0" err="1" smtClean="0">
-                <a:solidFill>
-                  <a:schemeClr val="accent6"/>
-                </a:solidFill>
-                <a:latin typeface="Times New Roman" pitchFamily="18" charset="0"/>
-                <a:cs typeface="Times New Roman" pitchFamily="18" charset="0"/>
-              </a:rPr>
-              <a:t>gsin</a:t>
-            </a:r>
-            <a:r>
-              <a:rPr lang="en-US" i="1" dirty="0" err="1" smtClean="0">
-                <a:solidFill>
-                  <a:schemeClr val="accent6"/>
-                </a:solidFill>
-                <a:latin typeface="Symbol" pitchFamily="18" charset="2"/>
-                <a:cs typeface="Times New Roman" pitchFamily="18" charset="0"/>
-              </a:rPr>
-              <a:t>q</a:t>
-            </a:r>
-            <a:endParaRPr lang="fr-FR" i="1" dirty="0">
-              <a:solidFill>
-                <a:schemeClr val="accent6"/>
               </a:solidFill>
               <a:latin typeface="Times New Roman" pitchFamily="18" charset="0"/>
               <a:cs typeface="Times New Roman" pitchFamily="18" charset="0"/>
@@ -4377,7 +4306,7 @@
         </p:nvSpPr>
         <p:spPr>
           <a:xfrm>
-            <a:off x="4254007" y="4071942"/>
+            <a:off x="4286248" y="4107790"/>
             <a:ext cx="1143008" cy="369332"/>
           </a:xfrm>
           <a:prstGeom prst="rect">
@@ -4392,34 +4321,24 @@
           <a:lstStyle/>
           <a:p>
             <a:r>
-              <a:rPr lang="en-US" i="1" dirty="0" smtClean="0">
+              <a:rPr lang="en-US" i="1" dirty="0" err="1" smtClean="0">
                 <a:solidFill>
                   <a:schemeClr val="accent6"/>
                 </a:solidFill>
                 <a:latin typeface="Times New Roman" pitchFamily="18" charset="0"/>
                 <a:cs typeface="Times New Roman" pitchFamily="18" charset="0"/>
               </a:rPr>
-              <a:t>-</a:t>
-            </a:r>
-            <a:r>
-              <a:rPr lang="en-US" i="1" dirty="0" err="1" smtClean="0">
+              <a:t>mg</a:t>
+            </a:r>
+            <a:r>
+              <a:rPr lang="en-US" dirty="0" err="1" smtClean="0">
                 <a:solidFill>
                   <a:schemeClr val="accent6"/>
                 </a:solidFill>
                 <a:latin typeface="Times New Roman" pitchFamily="18" charset="0"/>
                 <a:cs typeface="Times New Roman" pitchFamily="18" charset="0"/>
               </a:rPr>
-              <a:t>m</a:t>
-            </a:r>
-            <a:r>
-              <a:rPr lang="en-US" dirty="0" err="1" smtClean="0">
-                <a:solidFill>
-                  <a:schemeClr val="accent6"/>
-                </a:solidFill>
-                <a:latin typeface="Times New Roman" pitchFamily="18" charset="0"/>
-                <a:cs typeface="Times New Roman" pitchFamily="18" charset="0"/>
-              </a:rPr>
-              <a:t>gsin</a:t>
+              <a:t>sin</a:t>
             </a:r>
             <a:r>
               <a:rPr lang="en-US" i="1" dirty="0" err="1" smtClean="0">
